--- a/Experiments/03_SERVO/ppt/01_servo.pptx
+++ b/Experiments/03_SERVO/ppt/01_servo.pptx
@@ -221,7 +221,7 @@
           <a:p>
             <a:fld id="{4D4CD106-0280-324C-A42B-4E18AB917999}" type="datetimeFigureOut">
               <a:rPr lang="cs-CZ" smtClean="0"/>
-              <a:t>04.03.18</a:t>
+              <a:t>09.03.18</a:t>
             </a:fld>
             <a:endParaRPr lang="cs-CZ"/>
           </a:p>
@@ -6652,12 +6652,28 @@
               <a:defRPr/>
             </a:pPr>
             <a:r>
+              <a:rPr lang="cs-CZ" sz="1200" smtClean="0">
+                <a:latin typeface="Andale Mono" charset="0"/>
+                <a:ea typeface="Andale Mono" charset="0"/>
+                <a:cs typeface="Andale Mono" charset="0"/>
+              </a:rPr>
+              <a:t>DŮLEŽITOU OBLASTÍ ROBOTIKY JSOU POHONY. </a:t>
+            </a:r>
+            <a:r>
+              <a:rPr lang="cs-CZ" sz="1200" dirty="0" smtClean="0">
+                <a:latin typeface="Andale Mono" charset="0"/>
+                <a:ea typeface="Andale Mono" charset="0"/>
+                <a:cs typeface="Andale Mono" charset="0"/>
+              </a:rPr>
+              <a:t>TATO </a:t>
+            </a:r>
+            <a:r>
               <a:rPr lang="cs-CZ" sz="1200" dirty="0">
                 <a:latin typeface="Andale Mono" charset="0"/>
                 <a:ea typeface="Andale Mono" charset="0"/>
                 <a:cs typeface="Andale Mono" charset="0"/>
               </a:rPr>
-              <a:t>DŮLEŽITOU SOUČÁSTÍ ROBOTIKY JSOU POHONY. TATO LEKCE SE BUDE ZABÝVAT ZÁKLADNÍM POUŽITÍM SERVOMOTORŮ</a:t>
+              <a:t>LEKCE SE BUDE ZABÝVAT ZÁKLADNÍM POUŽITÍM SERVOMOTORŮ</a:t>
             </a:r>
             <a:r>
               <a:rPr lang="cs-CZ" sz="1200" dirty="0" smtClean="0">
@@ -7429,12 +7445,12 @@
           <a:graphicData uri="http://schemas.openxmlformats.org/presentationml/2006/ole">
             <mc:AlternateContent xmlns:mc="http://schemas.openxmlformats.org/markup-compatibility/2006">
               <mc:Choice xmlns:v="urn:schemas-microsoft-com:vml" Requires="v">
-                <p:oleObj spid="_x0000_s1029" name="Dokument" r:id="rId3" imgW="5575300" imgH="3022600" progId="Word.Document.12">
+                <p:oleObj spid="_x0000_s1033" name="Dokument" r:id="rId4" imgW="5575300" imgH="3022600" progId="Word.Document.12">
                   <p:embed/>
                 </p:oleObj>
               </mc:Choice>
               <mc:Fallback>
-                <p:oleObj name="Dokument" r:id="rId3" imgW="5575300" imgH="3022600" progId="Word.Document.12">
+                <p:oleObj name="Dokument" r:id="rId4" imgW="5575300" imgH="3022600" progId="Word.Document.12">
                   <p:embed/>
                   <p:pic>
                     <p:nvPicPr>
@@ -7443,7 +7459,7 @@
                       <p:nvPr/>
                     </p:nvPicPr>
                     <p:blipFill>
-                      <a:blip r:embed="rId4"/>
+                      <a:blip r:embed="rId5"/>
                       <a:stretch>
                         <a:fillRect/>
                       </a:stretch>
@@ -7747,12 +7763,12 @@
             <p:nvPr/>
           </p:nvPicPr>
           <p:blipFill>
-            <a:blip r:embed="rId5">
+            <a:blip r:embed="rId6">
               <a:lum bright="70000" contrast="-70000"/>
               <a:extLst>
                 <a:ext uri="{BEBA8EAE-BF5A-486C-A8C5-ECC9F3942E4B}">
                   <a14:imgProps xmlns:a14="http://schemas.microsoft.com/office/drawing/2010/main">
-                    <a14:imgLayer r:embed="rId6">
+                    <a14:imgLayer r:embed="rId7">
                       <a14:imgEffect>
                         <a14:colorTemperature colorTemp="1500"/>
                       </a14:imgEffect>
@@ -8086,18 +8102,7 @@
                 <a:ea typeface="Andale Mono" charset="0"/>
                 <a:cs typeface="Andale Mono" charset="0"/>
               </a:rPr>
-              <a:t> </a:t>
-            </a:r>
-            <a:r>
-              <a:rPr lang="en-US" altLang="ko-KR" sz="1800" b="1" dirty="0" smtClean="0">
-                <a:solidFill>
-                  <a:schemeClr val="bg1"/>
-                </a:solidFill>
-                <a:latin typeface="Andale Mono" charset="0"/>
-                <a:ea typeface="Andale Mono" charset="0"/>
-                <a:cs typeface="Andale Mono" charset="0"/>
-              </a:rPr>
-              <a:t>pro </a:t>
+              <a:t> pro </a:t>
             </a:r>
             <a:br>
               <a:rPr lang="en-US" altLang="ko-KR" sz="1800" b="1" dirty="0" smtClean="0">
@@ -8297,14 +8302,6 @@
               </a:rPr>
               <a:t>.</a:t>
             </a:r>
-            <a:endParaRPr lang="cs-CZ" sz="1600" dirty="0">
-              <a:solidFill>
-                <a:srgbClr val="AB7942"/>
-              </a:solidFill>
-              <a:latin typeface="Andale Mono" charset="0"/>
-              <a:ea typeface="Andale Mono" charset="0"/>
-              <a:cs typeface="Andale Mono" charset="0"/>
-            </a:endParaRPr>
           </a:p>
         </p:txBody>
       </p:sp>
@@ -8353,14 +8350,6 @@
               </a:rPr>
               <a:t>se změní, když upravíte hodnoty druhé dvojce parametrů 0 a 179 ve funkci map().</a:t>
             </a:r>
-            <a:endParaRPr lang="cs-CZ" sz="1600" dirty="0">
-              <a:solidFill>
-                <a:srgbClr val="AB7942"/>
-              </a:solidFill>
-              <a:latin typeface="Andale Mono" charset="0"/>
-              <a:ea typeface="Andale Mono" charset="0"/>
-              <a:cs typeface="Andale Mono" charset="0"/>
-            </a:endParaRPr>
           </a:p>
         </p:txBody>
       </p:sp>
@@ -9965,12 +9954,12 @@
           <a:graphicData uri="http://schemas.openxmlformats.org/presentationml/2006/ole">
             <mc:AlternateContent xmlns:mc="http://schemas.openxmlformats.org/markup-compatibility/2006">
               <mc:Choice xmlns:v="urn:schemas-microsoft-com:vml" Requires="v">
-                <p:oleObj spid="_x0000_s21551" name="Dokument" r:id="rId5" imgW="5638800" imgH="2235200" progId="Word.Document.12">
+                <p:oleObj spid="_x0000_s21555" name="Dokument" r:id="rId6" imgW="5638800" imgH="2235200" progId="Word.Document.12">
                   <p:embed/>
                 </p:oleObj>
               </mc:Choice>
               <mc:Fallback>
-                <p:oleObj name="Dokument" r:id="rId5" imgW="5638800" imgH="2235200" progId="Word.Document.12">
+                <p:oleObj name="Dokument" r:id="rId6" imgW="5638800" imgH="2235200" progId="Word.Document.12">
                   <p:embed/>
                   <p:pic>
                     <p:nvPicPr>
@@ -9979,7 +9968,7 @@
                       <p:nvPr/>
                     </p:nvPicPr>
                     <p:blipFill>
-                      <a:blip r:embed="rId6"/>
+                      <a:blip r:embed="rId7"/>
                       <a:stretch>
                         <a:fillRect/>
                       </a:stretch>
@@ -10517,12 +10506,12 @@
           <a:graphicData uri="http://schemas.openxmlformats.org/presentationml/2006/ole">
             <mc:AlternateContent xmlns:mc="http://schemas.openxmlformats.org/markup-compatibility/2006">
               <mc:Choice xmlns:v="urn:schemas-microsoft-com:vml" Requires="v">
-                <p:oleObj spid="_x0000_s22569" name="Dokument" r:id="rId3" imgW="5575300" imgH="2857500" progId="Word.Document.12">
+                <p:oleObj spid="_x0000_s22573" name="Dokument" r:id="rId4" imgW="5575300" imgH="2857500" progId="Word.Document.12">
                   <p:embed/>
                 </p:oleObj>
               </mc:Choice>
               <mc:Fallback>
-                <p:oleObj name="Dokument" r:id="rId3" imgW="5575300" imgH="2857500" progId="Word.Document.12">
+                <p:oleObj name="Dokument" r:id="rId4" imgW="5575300" imgH="2857500" progId="Word.Document.12">
                   <p:embed/>
                   <p:pic>
                     <p:nvPicPr>
@@ -10531,7 +10520,7 @@
                       <p:nvPr/>
                     </p:nvPicPr>
                     <p:blipFill>
-                      <a:blip r:embed="rId4"/>
+                      <a:blip r:embed="rId5"/>
                       <a:stretch>
                         <a:fillRect/>
                       </a:stretch>
@@ -10835,12 +10824,12 @@
             <p:nvPr/>
           </p:nvPicPr>
           <p:blipFill>
-            <a:blip r:embed="rId5">
+            <a:blip r:embed="rId6">
               <a:lum bright="70000" contrast="-70000"/>
               <a:extLst>
                 <a:ext uri="{BEBA8EAE-BF5A-486C-A8C5-ECC9F3942E4B}">
                   <a14:imgProps xmlns:a14="http://schemas.microsoft.com/office/drawing/2010/main">
-                    <a14:imgLayer r:embed="rId6">
+                    <a14:imgLayer r:embed="rId7">
                       <a14:imgEffect>
                         <a14:colorTemperature colorTemp="1500"/>
                       </a14:imgEffect>
@@ -12596,12 +12585,12 @@
           <a:graphicData uri="http://schemas.openxmlformats.org/presentationml/2006/ole">
             <mc:AlternateContent xmlns:mc="http://schemas.openxmlformats.org/markup-compatibility/2006">
               <mc:Choice xmlns:v="urn:schemas-microsoft-com:vml" Requires="v">
-                <p:oleObj spid="_x0000_s11587" name="Dokument" r:id="rId5" imgW="5575300" imgH="1701800" progId="Word.Document.12">
+                <p:oleObj spid="_x0000_s11593" name="Dokument" r:id="rId6" imgW="5575300" imgH="1701800" progId="Word.Document.12">
                   <p:embed/>
                 </p:oleObj>
               </mc:Choice>
               <mc:Fallback>
-                <p:oleObj name="Dokument" r:id="rId5" imgW="5575300" imgH="1701800" progId="Word.Document.12">
+                <p:oleObj name="Dokument" r:id="rId6" imgW="5575300" imgH="1701800" progId="Word.Document.12">
                   <p:embed/>
                   <p:pic>
                     <p:nvPicPr>
@@ -12610,7 +12599,7 @@
                       <p:nvPr/>
                     </p:nvPicPr>
                     <p:blipFill>
-                      <a:blip r:embed="rId6"/>
+                      <a:blip r:embed="rId7"/>
                       <a:stretch>
                         <a:fillRect/>
                       </a:stretch>
@@ -12653,12 +12642,12 @@
           <a:graphicData uri="http://schemas.openxmlformats.org/presentationml/2006/ole">
             <mc:AlternateContent xmlns:mc="http://schemas.openxmlformats.org/markup-compatibility/2006">
               <mc:Choice xmlns:v="urn:schemas-microsoft-com:vml" Requires="v">
-                <p:oleObj spid="_x0000_s11588" name="Dokument" r:id="rId7" imgW="6413500" imgH="2438400" progId="Word.Document.12">
+                <p:oleObj spid="_x0000_s11594" name="Dokument" r:id="rId9" imgW="6413500" imgH="2438400" progId="Word.Document.12">
                   <p:embed/>
                 </p:oleObj>
               </mc:Choice>
               <mc:Fallback>
-                <p:oleObj name="Dokument" r:id="rId7" imgW="6413500" imgH="2438400" progId="Word.Document.12">
+                <p:oleObj name="Dokument" r:id="rId9" imgW="6413500" imgH="2438400" progId="Word.Document.12">
                   <p:embed/>
                   <p:pic>
                     <p:nvPicPr>
@@ -12667,7 +12656,7 @@
                       <p:nvPr/>
                     </p:nvPicPr>
                     <p:blipFill>
-                      <a:blip r:embed="rId8"/>
+                      <a:blip r:embed="rId10"/>
                       <a:stretch>
                         <a:fillRect/>
                       </a:stretch>
@@ -13322,12 +13311,12 @@
           <a:graphicData uri="http://schemas.openxmlformats.org/presentationml/2006/ole">
             <mc:AlternateContent xmlns:mc="http://schemas.openxmlformats.org/markup-compatibility/2006">
               <mc:Choice xmlns:v="urn:schemas-microsoft-com:vml" Requires="v">
-                <p:oleObj spid="_x0000_s13484" name="Dokument" r:id="rId5" imgW="6477000" imgH="2247900" progId="Word.Document.12">
+                <p:oleObj spid="_x0000_s13490" name="Dokument" r:id="rId6" imgW="6477000" imgH="2247900" progId="Word.Document.12">
                   <p:embed/>
                 </p:oleObj>
               </mc:Choice>
               <mc:Fallback>
-                <p:oleObj name="Dokument" r:id="rId5" imgW="6477000" imgH="2247900" progId="Word.Document.12">
+                <p:oleObj name="Dokument" r:id="rId6" imgW="6477000" imgH="2247900" progId="Word.Document.12">
                   <p:embed/>
                   <p:pic>
                     <p:nvPicPr>
@@ -13336,7 +13325,7 @@
                       <p:nvPr/>
                     </p:nvPicPr>
                     <p:blipFill>
-                      <a:blip r:embed="rId6"/>
+                      <a:blip r:embed="rId7"/>
                       <a:stretch>
                         <a:fillRect/>
                       </a:stretch>
@@ -13379,12 +13368,12 @@
           <a:graphicData uri="http://schemas.openxmlformats.org/presentationml/2006/ole">
             <mc:AlternateContent xmlns:mc="http://schemas.openxmlformats.org/markup-compatibility/2006">
               <mc:Choice xmlns:v="urn:schemas-microsoft-com:vml" Requires="v">
-                <p:oleObj spid="_x0000_s13485" name="Dokument" r:id="rId7" imgW="6477000" imgH="3403600" progId="Word.Document.12">
+                <p:oleObj spid="_x0000_s13491" name="Dokument" r:id="rId9" imgW="6477000" imgH="3403600" progId="Word.Document.12">
                   <p:embed/>
                 </p:oleObj>
               </mc:Choice>
               <mc:Fallback>
-                <p:oleObj name="Dokument" r:id="rId7" imgW="6477000" imgH="3403600" progId="Word.Document.12">
+                <p:oleObj name="Dokument" r:id="rId9" imgW="6477000" imgH="3403600" progId="Word.Document.12">
                   <p:embed/>
                   <p:pic>
                     <p:nvPicPr>
@@ -13393,7 +13382,7 @@
                       <p:nvPr/>
                     </p:nvPicPr>
                     <p:blipFill>
-                      <a:blip r:embed="rId8"/>
+                      <a:blip r:embed="rId10"/>
                       <a:stretch>
                         <a:fillRect/>
                       </a:stretch>

--- a/Experiments/03_SERVO/ppt/01_servo.pptx
+++ b/Experiments/03_SERVO/ppt/01_servo.pptx
@@ -221,7 +221,7 @@
           <a:p>
             <a:fld id="{4D4CD106-0280-324C-A42B-4E18AB917999}" type="datetimeFigureOut">
               <a:rPr lang="cs-CZ" smtClean="0"/>
-              <a:t>09.03.18</a:t>
+              <a:t>28.06.18</a:t>
             </a:fld>
             <a:endParaRPr lang="cs-CZ"/>
           </a:p>
@@ -7432,7 +7432,7 @@
           <p:nvPr>
             <p:extLst>
               <p:ext uri="{D42A27DB-BD31-4B8C-83A1-F6EECF244321}">
-                <p14:modId xmlns:p14="http://schemas.microsoft.com/office/powerpoint/2010/main" val="794574398"/>
+                <p14:modId xmlns:p14="http://schemas.microsoft.com/office/powerpoint/2010/main" val="2098878441"/>
               </p:ext>
             </p:extLst>
           </p:nvPr>
@@ -7445,12 +7445,12 @@
           <a:graphicData uri="http://schemas.openxmlformats.org/presentationml/2006/ole">
             <mc:AlternateContent xmlns:mc="http://schemas.openxmlformats.org/markup-compatibility/2006">
               <mc:Choice xmlns:v="urn:schemas-microsoft-com:vml" Requires="v">
-                <p:oleObj spid="_x0000_s1033" name="Dokument" r:id="rId4" imgW="5575300" imgH="3022600" progId="Word.Document.12">
+                <p:oleObj spid="_x0000_s1035" name="Dokument" r:id="rId3" imgW="5575300" imgH="3022600" progId="Word.Document.12">
                   <p:embed/>
                 </p:oleObj>
               </mc:Choice>
               <mc:Fallback>
-                <p:oleObj name="Dokument" r:id="rId4" imgW="5575300" imgH="3022600" progId="Word.Document.12">
+                <p:oleObj name="Dokument" r:id="rId3" imgW="5575300" imgH="3022600" progId="Word.Document.12">
                   <p:embed/>
                   <p:pic>
                     <p:nvPicPr>
@@ -7459,7 +7459,7 @@
                       <p:nvPr/>
                     </p:nvPicPr>
                     <p:blipFill>
-                      <a:blip r:embed="rId5"/>
+                      <a:blip r:embed="rId4"/>
                       <a:stretch>
                         <a:fillRect/>
                       </a:stretch>
@@ -7763,12 +7763,12 @@
             <p:nvPr/>
           </p:nvPicPr>
           <p:blipFill>
-            <a:blip r:embed="rId6">
+            <a:blip r:embed="rId5">
               <a:lum bright="70000" contrast="-70000"/>
               <a:extLst>
                 <a:ext uri="{BEBA8EAE-BF5A-486C-A8C5-ECC9F3942E4B}">
                   <a14:imgProps xmlns:a14="http://schemas.microsoft.com/office/drawing/2010/main">
-                    <a14:imgLayer r:embed="rId7">
+                    <a14:imgLayer r:embed="rId6">
                       <a14:imgEffect>
                         <a14:colorTemperature colorTemp="1500"/>
                       </a14:imgEffect>
@@ -9954,7 +9954,7 @@
           <a:graphicData uri="http://schemas.openxmlformats.org/presentationml/2006/ole">
             <mc:AlternateContent xmlns:mc="http://schemas.openxmlformats.org/markup-compatibility/2006">
               <mc:Choice xmlns:v="urn:schemas-microsoft-com:vml" Requires="v">
-                <p:oleObj spid="_x0000_s21555" name="Dokument" r:id="rId6" imgW="5638800" imgH="2235200" progId="Word.Document.12">
+                <p:oleObj spid="_x0000_s21557" name="Dokument" r:id="rId6" imgW="5638800" imgH="2235200" progId="Word.Document.12">
                   <p:embed/>
                 </p:oleObj>
               </mc:Choice>
@@ -10506,7 +10506,7 @@
           <a:graphicData uri="http://schemas.openxmlformats.org/presentationml/2006/ole">
             <mc:AlternateContent xmlns:mc="http://schemas.openxmlformats.org/markup-compatibility/2006">
               <mc:Choice xmlns:v="urn:schemas-microsoft-com:vml" Requires="v">
-                <p:oleObj spid="_x0000_s22573" name="Dokument" r:id="rId4" imgW="5575300" imgH="2857500" progId="Word.Document.12">
+                <p:oleObj spid="_x0000_s22575" name="Dokument" r:id="rId4" imgW="5575300" imgH="2857500" progId="Word.Document.12">
                   <p:embed/>
                 </p:oleObj>
               </mc:Choice>
@@ -12585,7 +12585,7 @@
           <a:graphicData uri="http://schemas.openxmlformats.org/presentationml/2006/ole">
             <mc:AlternateContent xmlns:mc="http://schemas.openxmlformats.org/markup-compatibility/2006">
               <mc:Choice xmlns:v="urn:schemas-microsoft-com:vml" Requires="v">
-                <p:oleObj spid="_x0000_s11593" name="Dokument" r:id="rId6" imgW="5575300" imgH="1701800" progId="Word.Document.12">
+                <p:oleObj spid="_x0000_s11596" name="Dokument" r:id="rId6" imgW="5575300" imgH="1701800" progId="Word.Document.12">
                   <p:embed/>
                 </p:oleObj>
               </mc:Choice>
@@ -12642,7 +12642,7 @@
           <a:graphicData uri="http://schemas.openxmlformats.org/presentationml/2006/ole">
             <mc:AlternateContent xmlns:mc="http://schemas.openxmlformats.org/markup-compatibility/2006">
               <mc:Choice xmlns:v="urn:schemas-microsoft-com:vml" Requires="v">
-                <p:oleObj spid="_x0000_s11594" name="Dokument" r:id="rId9" imgW="6413500" imgH="2438400" progId="Word.Document.12">
+                <p:oleObj spid="_x0000_s11597" name="Dokument" r:id="rId9" imgW="6413500" imgH="2438400" progId="Word.Document.12">
                   <p:embed/>
                 </p:oleObj>
               </mc:Choice>
@@ -13311,7 +13311,7 @@
           <a:graphicData uri="http://schemas.openxmlformats.org/presentationml/2006/ole">
             <mc:AlternateContent xmlns:mc="http://schemas.openxmlformats.org/markup-compatibility/2006">
               <mc:Choice xmlns:v="urn:schemas-microsoft-com:vml" Requires="v">
-                <p:oleObj spid="_x0000_s13490" name="Dokument" r:id="rId6" imgW="6477000" imgH="2247900" progId="Word.Document.12">
+                <p:oleObj spid="_x0000_s13493" name="Dokument" r:id="rId6" imgW="6477000" imgH="2247900" progId="Word.Document.12">
                   <p:embed/>
                 </p:oleObj>
               </mc:Choice>
@@ -13355,25 +13355,25 @@
           <p:nvPr>
             <p:extLst>
               <p:ext uri="{D42A27DB-BD31-4B8C-83A1-F6EECF244321}">
-                <p14:modId xmlns:p14="http://schemas.microsoft.com/office/powerpoint/2010/main" val="147813550"/>
+                <p14:modId xmlns:p14="http://schemas.microsoft.com/office/powerpoint/2010/main" val="433324358"/>
               </p:ext>
             </p:extLst>
           </p:nvPr>
         </p:nvGraphicFramePr>
         <p:xfrm>
-          <a:off x="3995936" y="1184374"/>
-          <a:ext cx="6477000" cy="3403600"/>
+          <a:off x="4376738" y="1203598"/>
+          <a:ext cx="5715000" cy="3403600"/>
         </p:xfrm>
         <a:graphic>
           <a:graphicData uri="http://schemas.openxmlformats.org/presentationml/2006/ole">
             <mc:AlternateContent xmlns:mc="http://schemas.openxmlformats.org/markup-compatibility/2006">
               <mc:Choice xmlns:v="urn:schemas-microsoft-com:vml" Requires="v">
-                <p:oleObj spid="_x0000_s13491" name="Dokument" r:id="rId9" imgW="6477000" imgH="3403600" progId="Word.Document.12">
+                <p:oleObj spid="_x0000_s13494" name="Dokument" r:id="rId8" imgW="5715000" imgH="3403600" progId="Word.Document.12">
                   <p:embed/>
                 </p:oleObj>
               </mc:Choice>
               <mc:Fallback>
-                <p:oleObj name="Dokument" r:id="rId9" imgW="6477000" imgH="3403600" progId="Word.Document.12">
+                <p:oleObj name="Dokument" r:id="rId8" imgW="5715000" imgH="3403600" progId="Word.Document.12">
                   <p:embed/>
                   <p:pic>
                     <p:nvPicPr>
@@ -13382,15 +13382,15 @@
                       <p:nvPr/>
                     </p:nvPicPr>
                     <p:blipFill>
-                      <a:blip r:embed="rId10"/>
+                      <a:blip r:embed="rId9"/>
                       <a:stretch>
                         <a:fillRect/>
                       </a:stretch>
                     </p:blipFill>
                     <p:spPr>
                       <a:xfrm>
-                        <a:off x="3995936" y="1184374"/>
-                        <a:ext cx="6477000" cy="3403600"/>
+                        <a:off x="4376738" y="1203598"/>
+                        <a:ext cx="5715000" cy="3403600"/>
                       </a:xfrm>
                       <a:prstGeom prst="rect">
                         <a:avLst/>
